--- a/presentation/presentaciónFinal.pptx
+++ b/presentation/presentaciónFinal.pptx
@@ -5,10 +5,10 @@
     <p:sldMasterId id="2147483648" r:id="rId1"/>
   </p:sldMasterIdLst>
   <p:notesMasterIdLst>
-    <p:notesMasterId r:id="rId14"/>
+    <p:notesMasterId r:id="rId15"/>
   </p:notesMasterIdLst>
   <p:handoutMasterIdLst>
-    <p:handoutMasterId r:id="rId15"/>
+    <p:handoutMasterId r:id="rId16"/>
   </p:handoutMasterIdLst>
   <p:sldIdLst>
     <p:sldId id="256" r:id="rId2"/>
@@ -21,8 +21,9 @@
     <p:sldId id="262" r:id="rId9"/>
     <p:sldId id="263" r:id="rId10"/>
     <p:sldId id="264" r:id="rId11"/>
-    <p:sldId id="265" r:id="rId12"/>
-    <p:sldId id="258" r:id="rId13"/>
+    <p:sldId id="269" r:id="rId12"/>
+    <p:sldId id="265" r:id="rId13"/>
+    <p:sldId id="258" r:id="rId14"/>
   </p:sldIdLst>
   <p:sldSz cx="12192000" cy="6858000"/>
   <p:notesSz cx="6858000" cy="9144000"/>
@@ -242,7 +243,7 @@
           <a:p>
             <a:fld id="{B7A3E8FE-8C33-442D-A9F0-81005605253D}" type="datetimeFigureOut">
               <a:rPr lang="es-CO" smtClean="0"/>
-              <a:t>5/08/2019</a:t>
+              <a:t>15/08/2019</a:t>
             </a:fld>
             <a:endParaRPr lang="es-CO"/>
           </a:p>
@@ -308,7 +309,7 @@
           <a:p>
             <a:fld id="{510687A6-E026-48BF-8409-4C1D2240A9B4}" type="slidenum">
               <a:rPr lang="es-CO" smtClean="0"/>
-              <a:t>‹Nº›</a:t>
+              <a:t>‹#›</a:t>
             </a:fld>
             <a:endParaRPr lang="es-CO"/>
           </a:p>
@@ -407,7 +408,7 @@
           <a:p>
             <a:fld id="{A7CC625C-94FE-405F-BFA9-F5950CD1D511}" type="datetimeFigureOut">
               <a:rPr lang="es-CO" smtClean="0"/>
-              <a:t>5/08/2019</a:t>
+              <a:t>15/08/2019</a:t>
             </a:fld>
             <a:endParaRPr lang="es-CO"/>
           </a:p>
@@ -566,7 +567,7 @@
           <a:p>
             <a:fld id="{7B491207-373C-4156-802D-A1B940F458C6}" type="slidenum">
               <a:rPr lang="es-CO" smtClean="0"/>
-              <a:t>‹Nº›</a:t>
+              <a:t>‹#›</a:t>
             </a:fld>
             <a:endParaRPr lang="es-CO"/>
           </a:p>
@@ -977,7 +978,7 @@
           <a:p>
             <a:fld id="{B4F9404A-22A3-4939-BCA7-96C3E13EB8DD}" type="datetime1">
               <a:rPr lang="es-ES" smtClean="0"/>
-              <a:t>05/08/2019</a:t>
+              <a:t>15/08/2019</a:t>
             </a:fld>
             <a:endParaRPr lang="es-ES"/>
           </a:p>
@@ -1022,7 +1023,7 @@
           <a:p>
             <a:fld id="{85333DBE-8B21-43C0-A95D-6AF04BAD463B}" type="slidenum">
               <a:rPr lang="es-ES" smtClean="0"/>
-              <a:t>‹Nº›</a:t>
+              <a:t>‹#›</a:t>
             </a:fld>
             <a:endParaRPr lang="es-ES"/>
           </a:p>
@@ -1176,7 +1177,7 @@
           <a:p>
             <a:fld id="{69378D34-666D-49A3-B8FE-0109775CE4CE}" type="datetime1">
               <a:rPr lang="es-ES" smtClean="0"/>
-              <a:t>05/08/2019</a:t>
+              <a:t>15/08/2019</a:t>
             </a:fld>
             <a:endParaRPr lang="es-ES"/>
           </a:p>
@@ -1221,7 +1222,7 @@
           <a:p>
             <a:fld id="{85333DBE-8B21-43C0-A95D-6AF04BAD463B}" type="slidenum">
               <a:rPr lang="es-ES" smtClean="0"/>
-              <a:t>‹Nº›</a:t>
+              <a:t>‹#›</a:t>
             </a:fld>
             <a:endParaRPr lang="es-ES"/>
           </a:p>
@@ -1388,7 +1389,7 @@
           <a:p>
             <a:fld id="{42F1C212-CED4-45A2-A419-242876DEA6A8}" type="datetime1">
               <a:rPr lang="es-ES" smtClean="0"/>
-              <a:t>05/08/2019</a:t>
+              <a:t>15/08/2019</a:t>
             </a:fld>
             <a:endParaRPr lang="es-ES"/>
           </a:p>
@@ -1433,7 +1434,7 @@
           <a:p>
             <a:fld id="{85333DBE-8B21-43C0-A95D-6AF04BAD463B}" type="slidenum">
               <a:rPr lang="es-ES" smtClean="0"/>
-              <a:t>‹Nº›</a:t>
+              <a:t>‹#›</a:t>
             </a:fld>
             <a:endParaRPr lang="es-ES"/>
           </a:p>
@@ -1573,7 +1574,7 @@
           <a:p>
             <a:fld id="{8DBAA5F7-05F0-441E-B6CB-839B2C780BDB}" type="datetime1">
               <a:rPr lang="es-ES" smtClean="0"/>
-              <a:t>05/08/2019</a:t>
+              <a:t>15/08/2019</a:t>
             </a:fld>
             <a:endParaRPr lang="es-ES"/>
           </a:p>
@@ -1618,7 +1619,7 @@
           <a:p>
             <a:fld id="{85333DBE-8B21-43C0-A95D-6AF04BAD463B}" type="slidenum">
               <a:rPr lang="es-ES" smtClean="0"/>
-              <a:t>‹Nº›</a:t>
+              <a:t>‹#›</a:t>
             </a:fld>
             <a:endParaRPr lang="es-ES"/>
           </a:p>
@@ -1772,7 +1773,7 @@
           <a:p>
             <a:fld id="{4E88F175-A477-49CC-BD97-B2F06ADDE44B}" type="datetime1">
               <a:rPr lang="es-ES" smtClean="0"/>
-              <a:t>05/08/2019</a:t>
+              <a:t>15/08/2019</a:t>
             </a:fld>
             <a:endParaRPr lang="es-ES"/>
           </a:p>
@@ -1817,7 +1818,7 @@
           <a:p>
             <a:fld id="{85333DBE-8B21-43C0-A95D-6AF04BAD463B}" type="slidenum">
               <a:rPr lang="es-ES" smtClean="0"/>
-              <a:t>‹Nº›</a:t>
+              <a:t>‹#›</a:t>
             </a:fld>
             <a:endParaRPr lang="es-ES"/>
           </a:p>
@@ -2069,7 +2070,7 @@
           <a:p>
             <a:fld id="{2D7E83E4-7A82-4066-A97D-E05EFAC1B96D}" type="datetime1">
               <a:rPr lang="es-ES" smtClean="0"/>
-              <a:t>05/08/2019</a:t>
+              <a:t>15/08/2019</a:t>
             </a:fld>
             <a:endParaRPr lang="es-ES"/>
           </a:p>
@@ -2114,7 +2115,7 @@
           <a:p>
             <a:fld id="{85333DBE-8B21-43C0-A95D-6AF04BAD463B}" type="slidenum">
               <a:rPr lang="es-ES" smtClean="0"/>
-              <a:t>‹Nº›</a:t>
+              <a:t>‹#›</a:t>
             </a:fld>
             <a:endParaRPr lang="es-ES"/>
           </a:p>
@@ -2496,7 +2497,7 @@
           <a:p>
             <a:fld id="{398276F2-D9E5-423D-BCE5-ABA7F06DDBE4}" type="datetime1">
               <a:rPr lang="es-ES" smtClean="0"/>
-              <a:t>05/08/2019</a:t>
+              <a:t>15/08/2019</a:t>
             </a:fld>
             <a:endParaRPr lang="es-ES"/>
           </a:p>
@@ -2541,7 +2542,7 @@
           <a:p>
             <a:fld id="{85333DBE-8B21-43C0-A95D-6AF04BAD463B}" type="slidenum">
               <a:rPr lang="es-ES" smtClean="0"/>
-              <a:t>‹Nº›</a:t>
+              <a:t>‹#›</a:t>
             </a:fld>
             <a:endParaRPr lang="es-ES"/>
           </a:p>
@@ -2622,7 +2623,7 @@
           <a:p>
             <a:fld id="{34732EB0-98FD-4499-BBB5-5FBC40106AC6}" type="datetime1">
               <a:rPr lang="es-ES" smtClean="0"/>
-              <a:t>05/08/2019</a:t>
+              <a:t>15/08/2019</a:t>
             </a:fld>
             <a:endParaRPr lang="es-ES"/>
           </a:p>
@@ -2667,7 +2668,7 @@
           <a:p>
             <a:fld id="{85333DBE-8B21-43C0-A95D-6AF04BAD463B}" type="slidenum">
               <a:rPr lang="es-ES" smtClean="0"/>
-              <a:t>‹Nº›</a:t>
+              <a:t>‹#›</a:t>
             </a:fld>
             <a:endParaRPr lang="es-ES"/>
           </a:p>
@@ -2720,7 +2721,7 @@
           <a:p>
             <a:fld id="{00B7D2C1-C5BB-4849-8620-C00374D4A203}" type="datetime1">
               <a:rPr lang="es-ES" smtClean="0"/>
-              <a:t>05/08/2019</a:t>
+              <a:t>15/08/2019</a:t>
             </a:fld>
             <a:endParaRPr lang="es-ES"/>
           </a:p>
@@ -2765,7 +2766,7 @@
           <a:p>
             <a:fld id="{85333DBE-8B21-43C0-A95D-6AF04BAD463B}" type="slidenum">
               <a:rPr lang="es-ES" smtClean="0"/>
-              <a:t>‹Nº›</a:t>
+              <a:t>‹#›</a:t>
             </a:fld>
             <a:endParaRPr lang="es-ES"/>
           </a:p>
@@ -3004,7 +3005,7 @@
           <a:p>
             <a:fld id="{A5A1D9DE-194B-4503-AF06-F91B2D2CF1FC}" type="datetime1">
               <a:rPr lang="es-ES" smtClean="0"/>
-              <a:t>05/08/2019</a:t>
+              <a:t>15/08/2019</a:t>
             </a:fld>
             <a:endParaRPr lang="es-ES"/>
           </a:p>
@@ -3049,7 +3050,7 @@
           <a:p>
             <a:fld id="{85333DBE-8B21-43C0-A95D-6AF04BAD463B}" type="slidenum">
               <a:rPr lang="es-ES" smtClean="0"/>
-              <a:t>‹Nº›</a:t>
+              <a:t>‹#›</a:t>
             </a:fld>
             <a:endParaRPr lang="es-ES"/>
           </a:p>
@@ -3135,7 +3136,7 @@
           <a:p>
             <a:fld id="{55180AFC-7BC3-466C-AF67-C539CD5240F6}" type="datetime1">
               <a:rPr lang="es-ES" smtClean="0"/>
-              <a:t>05/08/2019</a:t>
+              <a:t>15/08/2019</a:t>
             </a:fld>
             <a:endParaRPr lang="es-ES"/>
           </a:p>
@@ -3180,7 +3181,7 @@
           <a:p>
             <a:fld id="{85333DBE-8B21-43C0-A95D-6AF04BAD463B}" type="slidenum">
               <a:rPr lang="es-ES" smtClean="0"/>
-              <a:t>‹Nº›</a:t>
+              <a:t>‹#›</a:t>
             </a:fld>
             <a:endParaRPr lang="es-ES"/>
           </a:p>
@@ -3374,7 +3375,7 @@
                   <a:spcPct val="0"/>
                 </a:spcBef>
               </a:pPr>
-              <a:t>05/08/2019</a:t>
+              <a:t>15/08/2019</a:t>
             </a:fld>
             <a:endParaRPr lang="es-ES"/>
           </a:p>
@@ -3482,7 +3483,7 @@
                   <a:spcPct val="0"/>
                 </a:spcBef>
               </a:pPr>
-              <a:t>‹Nº›</a:t>
+              <a:t>‹#›</a:t>
             </a:fld>
             <a:endParaRPr lang="es-ES"/>
           </a:p>
@@ -4226,10 +4227,10 @@
       </p:grpSpPr>
       <p:sp>
         <p:nvSpPr>
-          <p:cNvPr id="3" name="Marcador de número de diapositiva 2">
+          <p:cNvPr id="3" name="Slide Number Placeholder 2">
             <a:extLst>
               <a:ext uri="{FF2B5EF4-FFF2-40B4-BE49-F238E27FC236}">
-                <a16:creationId xmlns:a16="http://schemas.microsoft.com/office/drawing/2014/main" id="{BDAC18A4-47E6-4A7E-8D8B-47E7268D39C5}"/>
+                <a16:creationId xmlns:a16="http://schemas.microsoft.com/office/drawing/2014/main" id="{6A14731E-1AA4-4FE7-9206-FD4C6D9509F7}"/>
               </a:ext>
             </a:extLst>
           </p:cNvPr>
@@ -4248,6 +4249,207 @@
             <a:fld id="{85333DBE-8B21-43C0-A95D-6AF04BAD463B}" type="slidenum">
               <a:rPr lang="es-ES" smtClean="0"/>
               <a:t>11</a:t>
+            </a:fld>
+            <a:endParaRPr lang="es-ES"/>
+          </a:p>
+        </p:txBody>
+      </p:sp>
+      <p:sp>
+        <p:nvSpPr>
+          <p:cNvPr id="4" name="Title 1">
+            <a:extLst>
+              <a:ext uri="{FF2B5EF4-FFF2-40B4-BE49-F238E27FC236}">
+                <a16:creationId xmlns:a16="http://schemas.microsoft.com/office/drawing/2014/main" id="{DBFA406A-A48D-41F2-8327-E3CBD2D63447}"/>
+              </a:ext>
+            </a:extLst>
+          </p:cNvPr>
+          <p:cNvSpPr>
+            <a:spLocks noGrp="1"/>
+          </p:cNvSpPr>
+          <p:nvPr>
+            <p:ph type="title"/>
+          </p:nvPr>
+        </p:nvSpPr>
+        <p:spPr>
+          <a:xfrm>
+            <a:off x="669925" y="682625"/>
+            <a:ext cx="11522075" cy="1439863"/>
+          </a:xfrm>
+        </p:spPr>
+        <p:txBody>
+          <a:bodyPr>
+            <a:normAutofit fontScale="90000"/>
+          </a:bodyPr>
+          <a:lstStyle/>
+          <a:p>
+            <a:r>
+              <a:rPr lang="es-MX" sz="4000" dirty="0"/>
+              <a:t>Transfer </a:t>
+            </a:r>
+            <a:r>
+              <a:rPr lang="es-MX" sz="4000" dirty="0" err="1"/>
+              <a:t>Learning</a:t>
+            </a:r>
+            <a:r>
+              <a:rPr lang="es-MX" sz="4000" dirty="0"/>
+              <a:t> (</a:t>
+            </a:r>
+            <a:r>
+              <a:rPr lang="es-MX" sz="4000" dirty="0" err="1"/>
+              <a:t>Fully</a:t>
+            </a:r>
+            <a:r>
+              <a:rPr lang="es-MX" sz="4000" dirty="0"/>
+              <a:t> </a:t>
+            </a:r>
+            <a:r>
+              <a:rPr lang="es-MX" sz="4000" dirty="0" err="1"/>
+              <a:t>Connected</a:t>
+            </a:r>
+            <a:r>
+              <a:rPr lang="es-MX" sz="4000" dirty="0"/>
+              <a:t> </a:t>
+            </a:r>
+            <a:r>
+              <a:rPr lang="es-MX" sz="4000" dirty="0" err="1"/>
+              <a:t>train</a:t>
+            </a:r>
+            <a:r>
+              <a:rPr lang="es-MX" sz="4000" dirty="0"/>
+              <a:t>):</a:t>
+            </a:r>
+            <a:br>
+              <a:rPr lang="es-MX" sz="4000" dirty="0"/>
+            </a:br>
+            <a:br>
+              <a:rPr lang="es-MX" sz="4000" dirty="0"/>
+            </a:br>
+            <a:r>
+              <a:rPr lang="es-MX" sz="4000" dirty="0" err="1"/>
+              <a:t>MobileNet</a:t>
+            </a:r>
+            <a:r>
+              <a:rPr lang="es-MX" sz="4000" dirty="0"/>
+              <a:t>:							Vgg19:</a:t>
+            </a:r>
+            <a:endParaRPr lang="es-CO" sz="4000" dirty="0"/>
+          </a:p>
+        </p:txBody>
+      </p:sp>
+      <p:pic>
+        <p:nvPicPr>
+          <p:cNvPr id="6" name="Picture 5">
+            <a:extLst>
+              <a:ext uri="{FF2B5EF4-FFF2-40B4-BE49-F238E27FC236}">
+                <a16:creationId xmlns:a16="http://schemas.microsoft.com/office/drawing/2014/main" id="{2C4EAE63-17C3-45A2-B9FC-4ECE78D78DCF}"/>
+              </a:ext>
+            </a:extLst>
+          </p:cNvPr>
+          <p:cNvPicPr>
+            <a:picLocks noChangeAspect="1"/>
+          </p:cNvPicPr>
+          <p:nvPr/>
+        </p:nvPicPr>
+        <p:blipFill>
+          <a:blip r:embed="rId2"/>
+          <a:stretch>
+            <a:fillRect/>
+          </a:stretch>
+        </p:blipFill>
+        <p:spPr>
+          <a:xfrm>
+            <a:off x="669925" y="2755900"/>
+            <a:ext cx="4953000" cy="3152775"/>
+          </a:xfrm>
+          <a:prstGeom prst="rect">
+            <a:avLst/>
+          </a:prstGeom>
+        </p:spPr>
+      </p:pic>
+      <p:pic>
+        <p:nvPicPr>
+          <p:cNvPr id="7" name="Picture 6">
+            <a:extLst>
+              <a:ext uri="{FF2B5EF4-FFF2-40B4-BE49-F238E27FC236}">
+                <a16:creationId xmlns:a16="http://schemas.microsoft.com/office/drawing/2014/main" id="{C2CC74E6-FAA2-4D8F-8FF8-10BBE97B2624}"/>
+              </a:ext>
+            </a:extLst>
+          </p:cNvPr>
+          <p:cNvPicPr>
+            <a:picLocks noChangeAspect="1"/>
+          </p:cNvPicPr>
+          <p:nvPr/>
+        </p:nvPicPr>
+        <p:blipFill>
+          <a:blip r:embed="rId3"/>
+          <a:stretch>
+            <a:fillRect/>
+          </a:stretch>
+        </p:blipFill>
+        <p:spPr>
+          <a:xfrm>
+            <a:off x="6508754" y="2732087"/>
+            <a:ext cx="4533900" cy="3200400"/>
+          </a:xfrm>
+          <a:prstGeom prst="rect">
+            <a:avLst/>
+          </a:prstGeom>
+        </p:spPr>
+      </p:pic>
+    </p:spTree>
+    <p:extLst>
+      <p:ext uri="{BB962C8B-B14F-4D97-AF65-F5344CB8AC3E}">
+        <p14:creationId xmlns:p14="http://schemas.microsoft.com/office/powerpoint/2010/main" val="3781547411"/>
+      </p:ext>
+    </p:extLst>
+  </p:cSld>
+  <p:clrMapOvr>
+    <a:masterClrMapping/>
+  </p:clrMapOvr>
+</p:sld>
+</file>
+
+<file path=ppt/slides/slide12.xml><?xml version="1.0" encoding="utf-8"?>
+<p:sld xmlns:a="http://schemas.openxmlformats.org/drawingml/2006/main" xmlns:r="http://schemas.openxmlformats.org/officeDocument/2006/relationships" xmlns:p="http://schemas.openxmlformats.org/presentationml/2006/main">
+  <p:cSld>
+    <p:spTree>
+      <p:nvGrpSpPr>
+        <p:cNvPr id="1" name=""/>
+        <p:cNvGrpSpPr/>
+        <p:nvPr/>
+      </p:nvGrpSpPr>
+      <p:grpSpPr>
+        <a:xfrm>
+          <a:off x="0" y="0"/>
+          <a:ext cx="0" cy="0"/>
+          <a:chOff x="0" y="0"/>
+          <a:chExt cx="0" cy="0"/>
+        </a:xfrm>
+      </p:grpSpPr>
+      <p:sp>
+        <p:nvSpPr>
+          <p:cNvPr id="3" name="Marcador de número de diapositiva 2">
+            <a:extLst>
+              <a:ext uri="{FF2B5EF4-FFF2-40B4-BE49-F238E27FC236}">
+                <a16:creationId xmlns:a16="http://schemas.microsoft.com/office/drawing/2014/main" id="{BDAC18A4-47E6-4A7E-8D8B-47E7268D39C5}"/>
+              </a:ext>
+            </a:extLst>
+          </p:cNvPr>
+          <p:cNvSpPr>
+            <a:spLocks noGrp="1"/>
+          </p:cNvSpPr>
+          <p:nvPr>
+            <p:ph type="sldNum" sz="quarter" idx="12"/>
+          </p:nvPr>
+        </p:nvSpPr>
+        <p:spPr/>
+        <p:txBody>
+          <a:bodyPr/>
+          <a:lstStyle/>
+          <a:p>
+            <a:fld id="{85333DBE-8B21-43C0-A95D-6AF04BAD463B}" type="slidenum">
+              <a:rPr lang="es-ES" smtClean="0"/>
+              <a:t>12</a:t>
             </a:fld>
             <a:endParaRPr lang="es-ES"/>
           </a:p>
@@ -4698,7 +4900,7 @@
 </p:sld>
 </file>
 
-<file path=ppt/slides/slide12.xml><?xml version="1.0" encoding="utf-8"?>
+<file path=ppt/slides/slide13.xml><?xml version="1.0" encoding="utf-8"?>
 <p:sld xmlns:a="http://schemas.openxmlformats.org/drawingml/2006/main" xmlns:r="http://schemas.openxmlformats.org/officeDocument/2006/relationships" xmlns:p="http://schemas.openxmlformats.org/presentationml/2006/main">
   <p:cSld>
     <p:spTree>

--- a/presentation/presentaciónFinal.pptx
+++ b/presentation/presentaciónFinal.pptx
@@ -5,10 +5,10 @@
     <p:sldMasterId id="2147483648" r:id="rId1"/>
   </p:sldMasterIdLst>
   <p:notesMasterIdLst>
-    <p:notesMasterId r:id="rId15"/>
+    <p:notesMasterId r:id="rId16"/>
   </p:notesMasterIdLst>
   <p:handoutMasterIdLst>
-    <p:handoutMasterId r:id="rId16"/>
+    <p:handoutMasterId r:id="rId17"/>
   </p:handoutMasterIdLst>
   <p:sldIdLst>
     <p:sldId id="256" r:id="rId2"/>
@@ -23,7 +23,8 @@
     <p:sldId id="264" r:id="rId11"/>
     <p:sldId id="269" r:id="rId12"/>
     <p:sldId id="265" r:id="rId13"/>
-    <p:sldId id="258" r:id="rId14"/>
+    <p:sldId id="270" r:id="rId14"/>
+    <p:sldId id="258" r:id="rId15"/>
   </p:sldIdLst>
   <p:sldSz cx="12192000" cy="6858000"/>
   <p:notesSz cx="6858000" cy="9144000"/>
@@ -243,7 +244,7 @@
           <a:p>
             <a:fld id="{B7A3E8FE-8C33-442D-A9F0-81005605253D}" type="datetimeFigureOut">
               <a:rPr lang="es-CO" smtClean="0"/>
-              <a:t>15/08/2019</a:t>
+              <a:t>19/08/2019</a:t>
             </a:fld>
             <a:endParaRPr lang="es-CO"/>
           </a:p>
@@ -408,7 +409,7 @@
           <a:p>
             <a:fld id="{A7CC625C-94FE-405F-BFA9-F5950CD1D511}" type="datetimeFigureOut">
               <a:rPr lang="es-CO" smtClean="0"/>
-              <a:t>15/08/2019</a:t>
+              <a:t>19/08/2019</a:t>
             </a:fld>
             <a:endParaRPr lang="es-CO"/>
           </a:p>
@@ -760,6 +761,90 @@
 </p:notes>
 </file>
 
+<file path=ppt/notesSlides/notesSlide2.xml><?xml version="1.0" encoding="utf-8"?>
+<p:notes xmlns:a="http://schemas.openxmlformats.org/drawingml/2006/main" xmlns:r="http://schemas.openxmlformats.org/officeDocument/2006/relationships" xmlns:p="http://schemas.openxmlformats.org/presentationml/2006/main">
+  <p:cSld>
+    <p:spTree>
+      <p:nvGrpSpPr>
+        <p:cNvPr id="1" name=""/>
+        <p:cNvGrpSpPr/>
+        <p:nvPr/>
+      </p:nvGrpSpPr>
+      <p:grpSpPr>
+        <a:xfrm>
+          <a:off x="0" y="0"/>
+          <a:ext cx="0" cy="0"/>
+          <a:chOff x="0" y="0"/>
+          <a:chExt cx="0" cy="0"/>
+        </a:xfrm>
+      </p:grpSpPr>
+      <p:sp>
+        <p:nvSpPr>
+          <p:cNvPr id="2" name="Slide Image Placeholder 1"/>
+          <p:cNvSpPr>
+            <a:spLocks noGrp="1" noRot="1" noChangeAspect="1"/>
+          </p:cNvSpPr>
+          <p:nvPr>
+            <p:ph type="sldImg"/>
+          </p:nvPr>
+        </p:nvSpPr>
+        <p:spPr/>
+      </p:sp>
+      <p:sp>
+        <p:nvSpPr>
+          <p:cNvPr id="3" name="Notes Placeholder 2"/>
+          <p:cNvSpPr>
+            <a:spLocks noGrp="1"/>
+          </p:cNvSpPr>
+          <p:nvPr>
+            <p:ph type="body" idx="1"/>
+          </p:nvPr>
+        </p:nvSpPr>
+        <p:spPr/>
+        <p:txBody>
+          <a:bodyPr/>
+          <a:lstStyle/>
+          <a:p>
+            <a:endParaRPr lang="es-CO" dirty="0"/>
+          </a:p>
+        </p:txBody>
+      </p:sp>
+      <p:sp>
+        <p:nvSpPr>
+          <p:cNvPr id="4" name="Slide Number Placeholder 3"/>
+          <p:cNvSpPr>
+            <a:spLocks noGrp="1"/>
+          </p:cNvSpPr>
+          <p:nvPr>
+            <p:ph type="sldNum" sz="quarter" idx="5"/>
+          </p:nvPr>
+        </p:nvSpPr>
+        <p:spPr/>
+        <p:txBody>
+          <a:bodyPr/>
+          <a:lstStyle/>
+          <a:p>
+            <a:fld id="{7B491207-373C-4156-802D-A1B940F458C6}" type="slidenum">
+              <a:rPr lang="es-CO" smtClean="0"/>
+              <a:t>13</a:t>
+            </a:fld>
+            <a:endParaRPr lang="es-CO"/>
+          </a:p>
+        </p:txBody>
+      </p:sp>
+    </p:spTree>
+    <p:extLst>
+      <p:ext uri="{BB962C8B-B14F-4D97-AF65-F5344CB8AC3E}">
+        <p14:creationId xmlns:p14="http://schemas.microsoft.com/office/powerpoint/2010/main" val="1233772512"/>
+      </p:ext>
+    </p:extLst>
+  </p:cSld>
+  <p:clrMapOvr>
+    <a:masterClrMapping/>
+  </p:clrMapOvr>
+</p:notes>
+</file>
+
 <file path=ppt/slideLayouts/slideLayout1.xml><?xml version="1.0" encoding="utf-8"?>
 <p:sldLayout xmlns:a="http://schemas.openxmlformats.org/drawingml/2006/main" xmlns:r="http://schemas.openxmlformats.org/officeDocument/2006/relationships" xmlns:p="http://schemas.openxmlformats.org/presentationml/2006/main" showMasterSp="0" type="title" preserve="1">
   <p:cSld name="Diapositiva de título">
@@ -978,7 +1063,7 @@
           <a:p>
             <a:fld id="{B4F9404A-22A3-4939-BCA7-96C3E13EB8DD}" type="datetime1">
               <a:rPr lang="es-ES" smtClean="0"/>
-              <a:t>15/08/2019</a:t>
+              <a:t>19/08/2019</a:t>
             </a:fld>
             <a:endParaRPr lang="es-ES"/>
           </a:p>
@@ -1177,7 +1262,7 @@
           <a:p>
             <a:fld id="{69378D34-666D-49A3-B8FE-0109775CE4CE}" type="datetime1">
               <a:rPr lang="es-ES" smtClean="0"/>
-              <a:t>15/08/2019</a:t>
+              <a:t>19/08/2019</a:t>
             </a:fld>
             <a:endParaRPr lang="es-ES"/>
           </a:p>
@@ -1389,7 +1474,7 @@
           <a:p>
             <a:fld id="{42F1C212-CED4-45A2-A419-242876DEA6A8}" type="datetime1">
               <a:rPr lang="es-ES" smtClean="0"/>
-              <a:t>15/08/2019</a:t>
+              <a:t>19/08/2019</a:t>
             </a:fld>
             <a:endParaRPr lang="es-ES"/>
           </a:p>
@@ -1574,7 +1659,7 @@
           <a:p>
             <a:fld id="{8DBAA5F7-05F0-441E-B6CB-839B2C780BDB}" type="datetime1">
               <a:rPr lang="es-ES" smtClean="0"/>
-              <a:t>15/08/2019</a:t>
+              <a:t>19/08/2019</a:t>
             </a:fld>
             <a:endParaRPr lang="es-ES"/>
           </a:p>
@@ -1773,7 +1858,7 @@
           <a:p>
             <a:fld id="{4E88F175-A477-49CC-BD97-B2F06ADDE44B}" type="datetime1">
               <a:rPr lang="es-ES" smtClean="0"/>
-              <a:t>15/08/2019</a:t>
+              <a:t>19/08/2019</a:t>
             </a:fld>
             <a:endParaRPr lang="es-ES"/>
           </a:p>
@@ -2070,7 +2155,7 @@
           <a:p>
             <a:fld id="{2D7E83E4-7A82-4066-A97D-E05EFAC1B96D}" type="datetime1">
               <a:rPr lang="es-ES" smtClean="0"/>
-              <a:t>15/08/2019</a:t>
+              <a:t>19/08/2019</a:t>
             </a:fld>
             <a:endParaRPr lang="es-ES"/>
           </a:p>
@@ -2497,7 +2582,7 @@
           <a:p>
             <a:fld id="{398276F2-D9E5-423D-BCE5-ABA7F06DDBE4}" type="datetime1">
               <a:rPr lang="es-ES" smtClean="0"/>
-              <a:t>15/08/2019</a:t>
+              <a:t>19/08/2019</a:t>
             </a:fld>
             <a:endParaRPr lang="es-ES"/>
           </a:p>
@@ -2623,7 +2708,7 @@
           <a:p>
             <a:fld id="{34732EB0-98FD-4499-BBB5-5FBC40106AC6}" type="datetime1">
               <a:rPr lang="es-ES" smtClean="0"/>
-              <a:t>15/08/2019</a:t>
+              <a:t>19/08/2019</a:t>
             </a:fld>
             <a:endParaRPr lang="es-ES"/>
           </a:p>
@@ -2721,7 +2806,7 @@
           <a:p>
             <a:fld id="{00B7D2C1-C5BB-4849-8620-C00374D4A203}" type="datetime1">
               <a:rPr lang="es-ES" smtClean="0"/>
-              <a:t>15/08/2019</a:t>
+              <a:t>19/08/2019</a:t>
             </a:fld>
             <a:endParaRPr lang="es-ES"/>
           </a:p>
@@ -3005,7 +3090,7 @@
           <a:p>
             <a:fld id="{A5A1D9DE-194B-4503-AF06-F91B2D2CF1FC}" type="datetime1">
               <a:rPr lang="es-ES" smtClean="0"/>
-              <a:t>15/08/2019</a:t>
+              <a:t>19/08/2019</a:t>
             </a:fld>
             <a:endParaRPr lang="es-ES"/>
           </a:p>
@@ -3136,7 +3221,7 @@
           <a:p>
             <a:fld id="{55180AFC-7BC3-466C-AF67-C539CD5240F6}" type="datetime1">
               <a:rPr lang="es-ES" smtClean="0"/>
-              <a:t>15/08/2019</a:t>
+              <a:t>19/08/2019</a:t>
             </a:fld>
             <a:endParaRPr lang="es-ES"/>
           </a:p>
@@ -3375,7 +3460,7 @@
                   <a:spcPct val="0"/>
                 </a:spcBef>
               </a:pPr>
-              <a:t>15/08/2019</a:t>
+              <a:t>19/08/2019</a:t>
             </a:fld>
             <a:endParaRPr lang="es-ES"/>
           </a:p>
@@ -4919,6 +5004,220 @@
       </p:grpSpPr>
       <p:sp>
         <p:nvSpPr>
+          <p:cNvPr id="3" name="Slide Number Placeholder 2">
+            <a:extLst>
+              <a:ext uri="{FF2B5EF4-FFF2-40B4-BE49-F238E27FC236}">
+                <a16:creationId xmlns:a16="http://schemas.microsoft.com/office/drawing/2014/main" id="{D02FE26B-8C0B-433C-9938-1126EA454F41}"/>
+              </a:ext>
+            </a:extLst>
+          </p:cNvPr>
+          <p:cNvSpPr>
+            <a:spLocks noGrp="1"/>
+          </p:cNvSpPr>
+          <p:nvPr>
+            <p:ph type="sldNum" sz="quarter" idx="12"/>
+          </p:nvPr>
+        </p:nvSpPr>
+        <p:spPr/>
+        <p:txBody>
+          <a:bodyPr/>
+          <a:lstStyle/>
+          <a:p>
+            <a:fld id="{85333DBE-8B21-43C0-A95D-6AF04BAD463B}" type="slidenum">
+              <a:rPr lang="es-ES" smtClean="0"/>
+              <a:t>13</a:t>
+            </a:fld>
+            <a:endParaRPr lang="es-ES"/>
+          </a:p>
+        </p:txBody>
+      </p:sp>
+      <p:pic>
+        <p:nvPicPr>
+          <p:cNvPr id="5" name="Picture 4">
+            <a:extLst>
+              <a:ext uri="{FF2B5EF4-FFF2-40B4-BE49-F238E27FC236}">
+                <a16:creationId xmlns:a16="http://schemas.microsoft.com/office/drawing/2014/main" id="{D0CD2393-EE1B-4263-8979-AB0646F1875B}"/>
+              </a:ext>
+            </a:extLst>
+          </p:cNvPr>
+          <p:cNvPicPr>
+            <a:picLocks noChangeAspect="1"/>
+          </p:cNvPicPr>
+          <p:nvPr/>
+        </p:nvPicPr>
+        <p:blipFill rotWithShape="1">
+          <a:blip r:embed="rId3">
+            <a:extLst>
+              <a:ext uri="{28A0092B-C50C-407E-A947-70E740481C1C}">
+                <a14:useLocalDpi xmlns:a14="http://schemas.microsoft.com/office/drawing/2010/main" val="0"/>
+              </a:ext>
+            </a:extLst>
+          </a:blip>
+          <a:srcRect l="52448"/>
+          <a:stretch/>
+        </p:blipFill>
+        <p:spPr>
+          <a:xfrm>
+            <a:off x="5781675" y="1880595"/>
+            <a:ext cx="5550694" cy="1869147"/>
+          </a:xfrm>
+          <a:prstGeom prst="rect">
+            <a:avLst/>
+          </a:prstGeom>
+        </p:spPr>
+      </p:pic>
+      <p:sp>
+        <p:nvSpPr>
+          <p:cNvPr id="6" name="Rectangle 5">
+            <a:extLst>
+              <a:ext uri="{FF2B5EF4-FFF2-40B4-BE49-F238E27FC236}">
+                <a16:creationId xmlns:a16="http://schemas.microsoft.com/office/drawing/2014/main" id="{5D3C0253-F0D8-4AA1-8AF2-F47979250656}"/>
+              </a:ext>
+            </a:extLst>
+          </p:cNvPr>
+          <p:cNvSpPr/>
+          <p:nvPr/>
+        </p:nvSpPr>
+        <p:spPr>
+          <a:xfrm>
+            <a:off x="582611" y="636523"/>
+            <a:ext cx="5692777" cy="923330"/>
+          </a:xfrm>
+          <a:prstGeom prst="rect">
+            <a:avLst/>
+          </a:prstGeom>
+          <a:noFill/>
+        </p:spPr>
+        <p:txBody>
+          <a:bodyPr wrap="none" lIns="91440" tIns="45720" rIns="91440" bIns="45720">
+            <a:spAutoFit/>
+            <a:scene3d>
+              <a:camera prst="orthographicFront"/>
+              <a:lightRig rig="harsh" dir="t"/>
+            </a:scene3d>
+            <a:sp3d extrusionH="57150" prstMaterial="matte">
+              <a:bevelT w="63500" h="12700" prst="angle"/>
+              <a:contourClr>
+                <a:schemeClr val="bg1">
+                  <a:lumMod val="65000"/>
+                </a:schemeClr>
+              </a:contourClr>
+            </a:sp3d>
+          </a:bodyPr>
+          <a:lstStyle/>
+          <a:p>
+            <a:pPr algn="ctr"/>
+            <a:r>
+              <a:rPr lang="en-US" sz="5400" b="1" cap="none" spc="0" dirty="0">
+                <a:ln/>
+                <a:solidFill>
+                  <a:schemeClr val="accent3"/>
+                </a:solidFill>
+                <a:effectLst/>
+              </a:rPr>
+              <a:t>Kaggle Submission:</a:t>
+            </a:r>
+          </a:p>
+        </p:txBody>
+      </p:sp>
+      <p:pic>
+        <p:nvPicPr>
+          <p:cNvPr id="7" name="Picture 6">
+            <a:extLst>
+              <a:ext uri="{FF2B5EF4-FFF2-40B4-BE49-F238E27FC236}">
+                <a16:creationId xmlns:a16="http://schemas.microsoft.com/office/drawing/2014/main" id="{7AEDD1FC-0841-4DFE-90B4-648E25643193}"/>
+              </a:ext>
+            </a:extLst>
+          </p:cNvPr>
+          <p:cNvPicPr>
+            <a:picLocks noChangeAspect="1"/>
+          </p:cNvPicPr>
+          <p:nvPr/>
+        </p:nvPicPr>
+        <p:blipFill>
+          <a:blip r:embed="rId4"/>
+          <a:stretch>
+            <a:fillRect/>
+          </a:stretch>
+        </p:blipFill>
+        <p:spPr>
+          <a:xfrm>
+            <a:off x="466725" y="1633540"/>
+            <a:ext cx="4762500" cy="5010150"/>
+          </a:xfrm>
+          <a:prstGeom prst="rect">
+            <a:avLst/>
+          </a:prstGeom>
+        </p:spPr>
+      </p:pic>
+      <p:pic>
+        <p:nvPicPr>
+          <p:cNvPr id="9" name="Picture 8">
+            <a:extLst>
+              <a:ext uri="{FF2B5EF4-FFF2-40B4-BE49-F238E27FC236}">
+                <a16:creationId xmlns:a16="http://schemas.microsoft.com/office/drawing/2014/main" id="{D616213E-1C85-44DC-92F0-BA99A1733E59}"/>
+              </a:ext>
+            </a:extLst>
+          </p:cNvPr>
+          <p:cNvPicPr>
+            <a:picLocks noChangeAspect="1"/>
+          </p:cNvPicPr>
+          <p:nvPr/>
+        </p:nvPicPr>
+        <p:blipFill>
+          <a:blip r:embed="rId5">
+            <a:extLst>
+              <a:ext uri="{28A0092B-C50C-407E-A947-70E740481C1C}">
+                <a14:useLocalDpi xmlns:a14="http://schemas.microsoft.com/office/drawing/2010/main" val="0"/>
+              </a:ext>
+            </a:extLst>
+          </a:blip>
+          <a:stretch>
+            <a:fillRect/>
+          </a:stretch>
+        </p:blipFill>
+        <p:spPr>
+          <a:xfrm>
+            <a:off x="5781675" y="3301915"/>
+            <a:ext cx="5190333" cy="2919562"/>
+          </a:xfrm>
+          <a:prstGeom prst="rect">
+            <a:avLst/>
+          </a:prstGeom>
+        </p:spPr>
+      </p:pic>
+    </p:spTree>
+    <p:extLst>
+      <p:ext uri="{BB962C8B-B14F-4D97-AF65-F5344CB8AC3E}">
+        <p14:creationId xmlns:p14="http://schemas.microsoft.com/office/powerpoint/2010/main" val="3632926850"/>
+      </p:ext>
+    </p:extLst>
+  </p:cSld>
+  <p:clrMapOvr>
+    <a:masterClrMapping/>
+  </p:clrMapOvr>
+</p:sld>
+</file>
+
+<file path=ppt/slides/slide14.xml><?xml version="1.0" encoding="utf-8"?>
+<p:sld xmlns:a="http://schemas.openxmlformats.org/drawingml/2006/main" xmlns:r="http://schemas.openxmlformats.org/officeDocument/2006/relationships" xmlns:p="http://schemas.openxmlformats.org/presentationml/2006/main">
+  <p:cSld>
+    <p:spTree>
+      <p:nvGrpSpPr>
+        <p:cNvPr id="1" name=""/>
+        <p:cNvGrpSpPr/>
+        <p:nvPr/>
+      </p:nvGrpSpPr>
+      <p:grpSpPr>
+        <a:xfrm>
+          <a:off x="0" y="0"/>
+          <a:ext cx="0" cy="0"/>
+          <a:chOff x="0" y="0"/>
+          <a:chExt cx="0" cy="0"/>
+        </a:xfrm>
+      </p:grpSpPr>
+      <p:sp>
+        <p:nvSpPr>
           <p:cNvPr id="3" name="Rectángulo 2">
             <a:extLst>
               <a:ext uri="{FF2B5EF4-FFF2-40B4-BE49-F238E27FC236}">
@@ -5047,8 +5346,8 @@
         </p:nvSpPr>
         <p:spPr>
           <a:xfrm>
-            <a:off x="7488404" y="2205091"/>
-            <a:ext cx="3676459" cy="1654630"/>
+            <a:off x="7379594" y="2103760"/>
+            <a:ext cx="3815613" cy="1697546"/>
           </a:xfrm>
           <a:prstGeom prst="ellipse">
             <a:avLst/>
@@ -5255,10 +5554,10 @@
           <a:p>
             <a:pPr algn="ctr"/>
             <a:r>
-              <a:rPr lang="es-MX" sz="1600" i="1"/>
+              <a:rPr lang="es-MX" sz="1600" i="1" dirty="0"/>
               <a:t>“una persona al volante en Colombia tiene 4 veces más probabilidades de morir en un accidente de tránsito que un conductor en España o Gran Bretaña” (Revista Motor, 2019).</a:t>
             </a:r>
-            <a:endParaRPr lang="es-CO" sz="1600" i="1"/>
+            <a:endParaRPr lang="es-CO" sz="1600" i="1" dirty="0"/>
           </a:p>
         </p:txBody>
       </p:sp>
@@ -5291,18 +5590,22 @@
           <a:p>
             <a:pPr algn="ctr"/>
             <a:r>
-              <a:rPr lang="es-ES" sz="1600"/>
+              <a:rPr lang="es-ES" sz="1600" dirty="0"/>
               <a:t>Según </a:t>
             </a:r>
             <a:r>
-              <a:rPr lang="es-ES" sz="1600" b="1"/>
-              <a:t>Fesvial, Federación Española      de la Seguridad Vial</a:t>
-            </a:r>
-            <a:r>
-              <a:rPr lang="es-ES" sz="1600"/>
+              <a:rPr lang="es-ES" sz="1600" b="1" dirty="0" err="1"/>
+              <a:t>Fesvial</a:t>
+            </a:r>
+            <a:r>
+              <a:rPr lang="es-ES" sz="1600" b="1" dirty="0"/>
+              <a:t>, Federación Española      de la Seguridad Vial</a:t>
+            </a:r>
+            <a:r>
+              <a:rPr lang="es-ES" sz="1600" dirty="0"/>
               <a:t>, el 45% de los accidentes se podrían prevenir si los conductores estuvieran siempre atentos a la carretera.</a:t>
             </a:r>
-            <a:endParaRPr lang="es-CO" sz="1600"/>
+            <a:endParaRPr lang="es-CO" sz="1600" dirty="0"/>
           </a:p>
         </p:txBody>
       </p:sp>
